--- a/[2D게임프로그래밍] 최종 프로젝트 발표 - 2022180016 백성윤.pptx
+++ b/[2D게임프로그래밍] 최종 프로젝트 발표 - 2022180016 백성윤.pptx
@@ -214,7 +214,7 @@
           <a:p>
             <a:fld id="{68BA545B-6BB1-496F-BC0F-33D12A7E7E1A}" type="datetimeFigureOut">
               <a:rPr lang="ko-KR" altLang="en-US" smtClean="0"/>
-              <a:t>2025-12-09</a:t>
+              <a:t>2025-12-10</a:t>
             </a:fld>
             <a:endParaRPr lang="ko-KR" altLang="en-US"/>
           </a:p>
@@ -698,7 +698,7 @@
           <a:p>
             <a:fld id="{38843303-3A92-4C04-A5B9-7739E7E0EA47}" type="datetimeFigureOut">
               <a:rPr lang="ko-KR" altLang="en-US" smtClean="0"/>
-              <a:t>2025-12-09</a:t>
+              <a:t>2025-12-10</a:t>
             </a:fld>
             <a:endParaRPr lang="ko-KR" altLang="en-US"/>
           </a:p>
@@ -985,7 +985,7 @@
           <a:p>
             <a:fld id="{38843303-3A92-4C04-A5B9-7739E7E0EA47}" type="datetimeFigureOut">
               <a:rPr lang="ko-KR" altLang="en-US" smtClean="0"/>
-              <a:t>2025-12-09</a:t>
+              <a:t>2025-12-10</a:t>
             </a:fld>
             <a:endParaRPr lang="ko-KR" altLang="en-US"/>
           </a:p>
@@ -1177,7 +1177,7 @@
           <a:p>
             <a:fld id="{38843303-3A92-4C04-A5B9-7739E7E0EA47}" type="datetimeFigureOut">
               <a:rPr lang="ko-KR" altLang="en-US" smtClean="0"/>
-              <a:t>2025-12-09</a:t>
+              <a:t>2025-12-10</a:t>
             </a:fld>
             <a:endParaRPr lang="ko-KR" altLang="en-US"/>
           </a:p>
@@ -1438,7 +1438,7 @@
           <a:p>
             <a:fld id="{38843303-3A92-4C04-A5B9-7739E7E0EA47}" type="datetimeFigureOut">
               <a:rPr lang="ko-KR" altLang="en-US" smtClean="0"/>
-              <a:t>2025-12-09</a:t>
+              <a:t>2025-12-10</a:t>
             </a:fld>
             <a:endParaRPr lang="ko-KR" altLang="en-US"/>
           </a:p>
@@ -1862,7 +1862,7 @@
           <a:p>
             <a:fld id="{38843303-3A92-4C04-A5B9-7739E7E0EA47}" type="datetimeFigureOut">
               <a:rPr lang="ko-KR" altLang="en-US" smtClean="0"/>
-              <a:t>2025-12-09</a:t>
+              <a:t>2025-12-10</a:t>
             </a:fld>
             <a:endParaRPr lang="ko-KR" altLang="en-US"/>
           </a:p>
@@ -2408,7 +2408,7 @@
           <a:p>
             <a:fld id="{38843303-3A92-4C04-A5B9-7739E7E0EA47}" type="datetimeFigureOut">
               <a:rPr lang="ko-KR" altLang="en-US" smtClean="0"/>
-              <a:t>2025-12-09</a:t>
+              <a:t>2025-12-10</a:t>
             </a:fld>
             <a:endParaRPr lang="ko-KR" altLang="en-US"/>
           </a:p>
@@ -3248,7 +3248,7 @@
           <a:p>
             <a:fld id="{38843303-3A92-4C04-A5B9-7739E7E0EA47}" type="datetimeFigureOut">
               <a:rPr lang="ko-KR" altLang="en-US" smtClean="0"/>
-              <a:t>2025-12-09</a:t>
+              <a:t>2025-12-10</a:t>
             </a:fld>
             <a:endParaRPr lang="ko-KR" altLang="en-US"/>
           </a:p>
@@ -3418,7 +3418,7 @@
           <a:p>
             <a:fld id="{38843303-3A92-4C04-A5B9-7739E7E0EA47}" type="datetimeFigureOut">
               <a:rPr lang="ko-KR" altLang="en-US" smtClean="0"/>
-              <a:t>2025-12-09</a:t>
+              <a:t>2025-12-10</a:t>
             </a:fld>
             <a:endParaRPr lang="ko-KR" altLang="en-US"/>
           </a:p>
@@ -3602,7 +3602,7 @@
           <a:p>
             <a:fld id="{38843303-3A92-4C04-A5B9-7739E7E0EA47}" type="datetimeFigureOut">
               <a:rPr lang="ko-KR" altLang="en-US" smtClean="0"/>
-              <a:t>2025-12-09</a:t>
+              <a:t>2025-12-10</a:t>
             </a:fld>
             <a:endParaRPr lang="ko-KR" altLang="en-US"/>
           </a:p>
@@ -3772,7 +3772,7 @@
           <a:p>
             <a:fld id="{38843303-3A92-4C04-A5B9-7739E7E0EA47}" type="datetimeFigureOut">
               <a:rPr lang="ko-KR" altLang="en-US" smtClean="0"/>
-              <a:t>2025-12-09</a:t>
+              <a:t>2025-12-10</a:t>
             </a:fld>
             <a:endParaRPr lang="ko-KR" altLang="en-US"/>
           </a:p>
@@ -4020,7 +4020,7 @@
           <a:p>
             <a:fld id="{38843303-3A92-4C04-A5B9-7739E7E0EA47}" type="datetimeFigureOut">
               <a:rPr lang="ko-KR" altLang="en-US" smtClean="0"/>
-              <a:t>2025-12-09</a:t>
+              <a:t>2025-12-10</a:t>
             </a:fld>
             <a:endParaRPr lang="ko-KR" altLang="en-US"/>
           </a:p>
@@ -4257,7 +4257,7 @@
           <a:p>
             <a:fld id="{38843303-3A92-4C04-A5B9-7739E7E0EA47}" type="datetimeFigureOut">
               <a:rPr lang="ko-KR" altLang="en-US" smtClean="0"/>
-              <a:t>2025-12-09</a:t>
+              <a:t>2025-12-10</a:t>
             </a:fld>
             <a:endParaRPr lang="ko-KR" altLang="en-US"/>
           </a:p>
@@ -4630,7 +4630,7 @@
           <a:p>
             <a:fld id="{38843303-3A92-4C04-A5B9-7739E7E0EA47}" type="datetimeFigureOut">
               <a:rPr lang="ko-KR" altLang="en-US" smtClean="0"/>
-              <a:t>2025-12-09</a:t>
+              <a:t>2025-12-10</a:t>
             </a:fld>
             <a:endParaRPr lang="ko-KR" altLang="en-US"/>
           </a:p>
@@ -4748,7 +4748,7 @@
           <a:p>
             <a:fld id="{38843303-3A92-4C04-A5B9-7739E7E0EA47}" type="datetimeFigureOut">
               <a:rPr lang="ko-KR" altLang="en-US" smtClean="0"/>
-              <a:t>2025-12-09</a:t>
+              <a:t>2025-12-10</a:t>
             </a:fld>
             <a:endParaRPr lang="ko-KR" altLang="en-US"/>
           </a:p>
@@ -4843,7 +4843,7 @@
           <a:p>
             <a:fld id="{38843303-3A92-4C04-A5B9-7739E7E0EA47}" type="datetimeFigureOut">
               <a:rPr lang="ko-KR" altLang="en-US" smtClean="0"/>
-              <a:t>2025-12-09</a:t>
+              <a:t>2025-12-10</a:t>
             </a:fld>
             <a:endParaRPr lang="ko-KR" altLang="en-US"/>
           </a:p>
@@ -5094,7 +5094,7 @@
           <a:p>
             <a:fld id="{38843303-3A92-4C04-A5B9-7739E7E0EA47}" type="datetimeFigureOut">
               <a:rPr lang="ko-KR" altLang="en-US" smtClean="0"/>
-              <a:t>2025-12-09</a:t>
+              <a:t>2025-12-10</a:t>
             </a:fld>
             <a:endParaRPr lang="ko-KR" altLang="en-US"/>
           </a:p>
@@ -5381,7 +5381,7 @@
           <a:p>
             <a:fld id="{38843303-3A92-4C04-A5B9-7739E7E0EA47}" type="datetimeFigureOut">
               <a:rPr lang="ko-KR" altLang="en-US" smtClean="0"/>
-              <a:t>2025-12-09</a:t>
+              <a:t>2025-12-10</a:t>
             </a:fld>
             <a:endParaRPr lang="ko-KR" altLang="en-US"/>
           </a:p>
@@ -5594,7 +5594,7 @@
           <a:p>
             <a:fld id="{38843303-3A92-4C04-A5B9-7739E7E0EA47}" type="datetimeFigureOut">
               <a:rPr lang="ko-KR" altLang="en-US" smtClean="0"/>
-              <a:t>2025-12-09</a:t>
+              <a:t>2025-12-10</a:t>
             </a:fld>
             <a:endParaRPr lang="ko-KR" altLang="en-US"/>
           </a:p>
@@ -6420,7 +6420,7 @@
             <p:ph idx="1"/>
             <p:extLst>
               <p:ext uri="{D42A27DB-BD31-4B8C-83A1-F6EECF244321}">
-                <p14:modId xmlns:p14="http://schemas.microsoft.com/office/powerpoint/2010/main" val="2947820459"/>
+                <p14:modId xmlns:p14="http://schemas.microsoft.com/office/powerpoint/2010/main" val="726702556"/>
               </p:ext>
             </p:extLst>
           </p:nvPr>
@@ -6541,7 +6541,7 @@
                       </a:r>
                     </a:p>
                   </a:txBody>
-                  <a:tcPr/>
+                  <a:tcPr anchor="ctr"/>
                 </a:tc>
                 <a:tc>
                   <a:txBody>
@@ -6563,7 +6563,7 @@
                       </a:r>
                     </a:p>
                   </a:txBody>
-                  <a:tcPr/>
+                  <a:tcPr anchor="ctr"/>
                 </a:tc>
                 <a:tc>
                   <a:txBody>
@@ -6605,7 +6605,7 @@
                       </a:r>
                     </a:p>
                   </a:txBody>
-                  <a:tcPr/>
+                  <a:tcPr anchor="ctr"/>
                 </a:tc>
                 <a:tc>
                   <a:txBody>
@@ -6620,7 +6620,7 @@
                       <a:endParaRPr lang="ko-KR" altLang="en-US" dirty="0"/>
                     </a:p>
                   </a:txBody>
-                  <a:tcPr/>
+                  <a:tcPr anchor="ctr"/>
                 </a:tc>
                 <a:extLst>
                   <a:ext uri="{0D108BD9-81ED-4DB2-BD59-A6C34878D82A}">
@@ -6641,7 +6641,7 @@
                       </a:r>
                     </a:p>
                   </a:txBody>
-                  <a:tcPr/>
+                  <a:tcPr anchor="ctr"/>
                 </a:tc>
                 <a:tc>
                   <a:txBody>
@@ -6663,7 +6663,7 @@
                       </a:r>
                     </a:p>
                   </a:txBody>
-                  <a:tcPr/>
+                  <a:tcPr anchor="ctr"/>
                 </a:tc>
                 <a:tc>
                   <a:txBody>
@@ -6713,7 +6713,7 @@
                       </a:r>
                     </a:p>
                   </a:txBody>
-                  <a:tcPr/>
+                  <a:tcPr anchor="ctr"/>
                 </a:tc>
                 <a:tc>
                   <a:txBody>
@@ -6728,7 +6728,7 @@
                       <a:endParaRPr lang="ko-KR" altLang="en-US" dirty="0"/>
                     </a:p>
                   </a:txBody>
-                  <a:tcPr/>
+                  <a:tcPr anchor="ctr"/>
                 </a:tc>
                 <a:extLst>
                   <a:ext uri="{0D108BD9-81ED-4DB2-BD59-A6C34878D82A}">
@@ -6743,21 +6743,29 @@
                     <a:lstStyle/>
                     <a:p>
                       <a:pPr algn="ctr" latinLnBrk="1"/>
+                      <a:r>
+                        <a:rPr lang="ko-KR" altLang="en-US" dirty="0"/>
+                        <a:t>게임 </a:t>
+                      </a:r>
                       <a:endParaRPr lang="en-US" altLang="ko-KR" dirty="0"/>
                     </a:p>
                     <a:p>
                       <a:pPr algn="ctr" latinLnBrk="1"/>
+                      <a:r>
+                        <a:rPr lang="ko-KR" altLang="en-US" dirty="0"/>
+                        <a:t>밸런스 </a:t>
+                      </a:r>
                       <a:endParaRPr lang="en-US" altLang="ko-KR" dirty="0"/>
                     </a:p>
                     <a:p>
                       <a:pPr algn="ctr" latinLnBrk="1"/>
                       <a:r>
                         <a:rPr lang="ko-KR" altLang="en-US" dirty="0"/>
-                        <a:t>게임 밸런스 조절</a:t>
+                        <a:t>조절</a:t>
                       </a:r>
                     </a:p>
                   </a:txBody>
-                  <a:tcPr/>
+                  <a:tcPr anchor="ctr"/>
                 </a:tc>
                 <a:tc>
                   <a:txBody>
@@ -6765,21 +6773,17 @@
                     <a:lstStyle/>
                     <a:p>
                       <a:pPr algn="ctr" latinLnBrk="1"/>
-                      <a:endParaRPr lang="en-US" altLang="ko-KR" dirty="0"/>
-                    </a:p>
-                    <a:p>
-                      <a:pPr algn="ctr" latinLnBrk="1"/>
-                      <a:endParaRPr lang="en-US" altLang="ko-KR" dirty="0"/>
-                    </a:p>
-                    <a:p>
-                      <a:pPr algn="ctr" latinLnBrk="1"/>
+                      <a:r>
+                        <a:rPr lang="ko-KR" altLang="en-US"/>
+                        <a:t>플레이어의 </a:t>
+                      </a:r>
                       <a:r>
                         <a:rPr lang="ko-KR" altLang="en-US" dirty="0"/>
-                        <a:t>플레이어의 실력에 따라 승패가 결정되게끔 구현</a:t>
+                        <a:t>실력에 따라 승패가 결정되게끔 구현</a:t>
                       </a:r>
                     </a:p>
                   </a:txBody>
-                  <a:tcPr/>
+                  <a:tcPr anchor="ctr"/>
                 </a:tc>
                 <a:tc>
                   <a:txBody>
@@ -6961,7 +6965,7 @@
                       <a:endParaRPr lang="en-US" altLang="ko-KR" dirty="0"/>
                     </a:p>
                   </a:txBody>
-                  <a:tcPr/>
+                  <a:tcPr anchor="ctr"/>
                 </a:tc>
                 <a:tc>
                   <a:txBody>
@@ -6976,7 +6980,7 @@
                       <a:endParaRPr lang="ko-KR" altLang="en-US" dirty="0"/>
                     </a:p>
                   </a:txBody>
-                  <a:tcPr/>
+                  <a:tcPr anchor="ctr"/>
                 </a:tc>
                 <a:extLst>
                   <a:ext uri="{0D108BD9-81ED-4DB2-BD59-A6C34878D82A}">
@@ -6998,7 +7002,7 @@
                       <a:endParaRPr lang="ko-KR" altLang="en-US" dirty="0"/>
                     </a:p>
                   </a:txBody>
-                  <a:tcPr/>
+                  <a:tcPr anchor="ctr"/>
                 </a:tc>
                 <a:tc>
                   <a:txBody>
@@ -7020,7 +7024,7 @@
                       </a:r>
                     </a:p>
                   </a:txBody>
-                  <a:tcPr/>
+                  <a:tcPr anchor="ctr"/>
                 </a:tc>
                 <a:tc>
                   <a:txBody>
@@ -7034,7 +7038,7 @@
                       </a:r>
                     </a:p>
                   </a:txBody>
-                  <a:tcPr/>
+                  <a:tcPr anchor="ctr"/>
                 </a:tc>
                 <a:tc>
                   <a:txBody>
@@ -7049,7 +7053,7 @@
                       <a:endParaRPr lang="ko-KR" altLang="en-US" dirty="0"/>
                     </a:p>
                   </a:txBody>
-                  <a:tcPr/>
+                  <a:tcPr anchor="ctr"/>
                 </a:tc>
                 <a:extLst>
                   <a:ext uri="{0D108BD9-81ED-4DB2-BD59-A6C34878D82A}">
@@ -7070,7 +7074,7 @@
                       </a:r>
                     </a:p>
                   </a:txBody>
-                  <a:tcPr/>
+                  <a:tcPr anchor="ctr"/>
                 </a:tc>
                 <a:tc>
                   <a:txBody>
@@ -7113,7 +7117,7 @@
                       <a:endParaRPr lang="en-US" altLang="ko-KR" dirty="0"/>
                     </a:p>
                   </a:txBody>
-                  <a:tcPr/>
+                  <a:tcPr anchor="ctr"/>
                 </a:tc>
                 <a:tc>
                   <a:txBody>
@@ -7144,7 +7148,7 @@
                       <a:endParaRPr lang="ko-KR" altLang="en-US" dirty="0"/>
                     </a:p>
                   </a:txBody>
-                  <a:tcPr/>
+                  <a:tcPr anchor="ctr"/>
                 </a:tc>
                 <a:tc>
                   <a:txBody>
@@ -7159,7 +7163,7 @@
                       <a:endParaRPr lang="ko-KR" altLang="en-US" dirty="0"/>
                     </a:p>
                   </a:txBody>
-                  <a:tcPr/>
+                  <a:tcPr anchor="ctr"/>
                 </a:tc>
                 <a:extLst>
                   <a:ext uri="{0D108BD9-81ED-4DB2-BD59-A6C34878D82A}">
@@ -7180,7 +7184,7 @@
                       </a:r>
                     </a:p>
                   </a:txBody>
-                  <a:tcPr/>
+                  <a:tcPr anchor="ctr"/>
                 </a:tc>
                 <a:tc>
                   <a:txBody>
@@ -7202,7 +7206,7 @@
                       </a:r>
                     </a:p>
                   </a:txBody>
-                  <a:tcPr/>
+                  <a:tcPr anchor="ctr"/>
                 </a:tc>
                 <a:tc>
                   <a:txBody>
@@ -7216,7 +7220,7 @@
                       </a:r>
                     </a:p>
                   </a:txBody>
-                  <a:tcPr/>
+                  <a:tcPr anchor="ctr"/>
                 </a:tc>
                 <a:tc>
                   <a:txBody>
@@ -7231,7 +7235,7 @@
                       <a:endParaRPr lang="ko-KR" altLang="en-US" dirty="0"/>
                     </a:p>
                   </a:txBody>
-                  <a:tcPr/>
+                  <a:tcPr anchor="ctr"/>
                 </a:tc>
                 <a:extLst>
                   <a:ext uri="{0D108BD9-81ED-4DB2-BD59-A6C34878D82A}">

--- a/[2D게임프로그래밍] 최종 프로젝트 발표 - 2022180016 백성윤.pptx
+++ b/[2D게임프로그래밍] 최종 프로젝트 발표 - 2022180016 백성윤.pptx
@@ -7301,10 +7301,10 @@
       </p:grpSpPr>
       <p:pic>
         <p:nvPicPr>
-          <p:cNvPr id="3" name="그림 2" descr="텍스트, 스크린샷이(가) 표시된 사진&#10;&#10;AI 생성 콘텐츠는 정확하지 않을 수 있습니다.">
+          <p:cNvPr id="5" name="그림 4" descr="텍스트, 스크린샷, 그래픽 소프트웨어, 멀티미디어 소프트웨어이(가) 표시된 사진&#10;&#10;AI 생성 콘텐츠는 정확하지 않을 수 있습니다.">
             <a:extLst>
               <a:ext uri="{FF2B5EF4-FFF2-40B4-BE49-F238E27FC236}">
-                <a16:creationId xmlns:a16="http://schemas.microsoft.com/office/drawing/2014/main" id="{68A4B0D0-3F9E-CA98-356A-4473577CB6BC}"/>
+                <a16:creationId xmlns:a16="http://schemas.microsoft.com/office/drawing/2014/main" id="{8FC14382-4461-BE10-E28A-5568303450CF}"/>
               </a:ext>
             </a:extLst>
           </p:cNvPr>
@@ -7321,34 +7321,12 @@
         </p:blipFill>
         <p:spPr>
           <a:xfrm>
-            <a:off x="3146722" y="0"/>
-            <a:ext cx="9045278" cy="5969882"/>
+            <a:off x="3276600" y="0"/>
+            <a:ext cx="8915400" cy="5838825"/>
           </a:xfrm>
           <a:prstGeom prst="rect">
             <a:avLst/>
           </a:prstGeom>
-          <a:ln w="127000" cap="flat">
-            <a:solidFill>
-              <a:srgbClr val="FFFFFF"/>
-            </a:solidFill>
-            <a:miter lim="800000"/>
-          </a:ln>
-          <a:effectLst>
-            <a:outerShdw blurRad="54991" dist="17780" dir="5400000" algn="ctr" rotWithShape="0">
-              <a:schemeClr val="bg1">
-                <a:alpha val="40000"/>
-              </a:schemeClr>
-            </a:outerShdw>
-          </a:effectLst>
-          <a:scene3d>
-            <a:camera prst="orthographicFront"/>
-            <a:lightRig rig="twoPt" dir="t">
-              <a:rot lat="0" lon="0" rev="7200000"/>
-            </a:lightRig>
-          </a:scene3d>
-          <a:sp3d>
-            <a:bevelT w="25400" h="19050"/>
-          </a:sp3d>
         </p:spPr>
       </p:pic>
       <p:graphicFrame>
@@ -7366,7 +7344,7 @@
           <p:nvPr>
             <p:extLst>
               <p:ext uri="{D42A27DB-BD31-4B8C-83A1-F6EECF244321}">
-                <p14:modId xmlns:p14="http://schemas.microsoft.com/office/powerpoint/2010/main" val="4078707958"/>
+                <p14:modId xmlns:p14="http://schemas.microsoft.com/office/powerpoint/2010/main" val="2409221770"/>
               </p:ext>
             </p:extLst>
           </p:nvPr>
@@ -7819,7 +7797,7 @@
                       <a:pPr latinLnBrk="1"/>
                       <a:r>
                         <a:rPr lang="en-US" altLang="ko-KR" dirty="0"/>
-                        <a:t>42</a:t>
+                        <a:t>51</a:t>
                       </a:r>
                     </a:p>
                   </a:txBody>
